--- a/04. Extract the data through ECC system.pptx
+++ b/04. Extract the data through ECC system.pptx
@@ -8,6 +8,25 @@
     <p:sldId id="256" r:id="rId2"/>
     <p:sldId id="285" r:id="rId3"/>
     <p:sldId id="286" r:id="rId4"/>
+    <p:sldId id="287" r:id="rId5"/>
+    <p:sldId id="288" r:id="rId6"/>
+    <p:sldId id="289" r:id="rId7"/>
+    <p:sldId id="290" r:id="rId8"/>
+    <p:sldId id="291" r:id="rId9"/>
+    <p:sldId id="292" r:id="rId10"/>
+    <p:sldId id="293" r:id="rId11"/>
+    <p:sldId id="294" r:id="rId12"/>
+    <p:sldId id="295" r:id="rId13"/>
+    <p:sldId id="296" r:id="rId14"/>
+    <p:sldId id="297" r:id="rId15"/>
+    <p:sldId id="298" r:id="rId16"/>
+    <p:sldId id="299" r:id="rId17"/>
+    <p:sldId id="300" r:id="rId18"/>
+    <p:sldId id="301" r:id="rId19"/>
+    <p:sldId id="302" r:id="rId20"/>
+    <p:sldId id="303" r:id="rId21"/>
+    <p:sldId id="304" r:id="rId22"/>
+    <p:sldId id="305" r:id="rId23"/>
   </p:sldIdLst>
   <p:sldSz cx="9144000" cy="6858000" type="screen4x3"/>
   <p:notesSz cx="6858000" cy="9144000"/>
@@ -401,7 +420,7 @@
             <a:fld id="{14617971-7FFF-4153-9B0A-A6A160B9216D}" type="datetimeFigureOut">
               <a:rPr lang="en-US" smtClean="0"/>
               <a:pPr/>
-              <a:t>8/6/2017</a:t>
+              <a:t>8/19/2017</a:t>
             </a:fld>
             <a:endParaRPr lang="en-US"/>
           </a:p>
@@ -594,7 +613,7 @@
             <a:fld id="{14617971-7FFF-4153-9B0A-A6A160B9216D}" type="datetimeFigureOut">
               <a:rPr lang="en-US" smtClean="0"/>
               <a:pPr/>
-              <a:t>8/6/2017</a:t>
+              <a:t>8/19/2017</a:t>
             </a:fld>
             <a:endParaRPr lang="en-US"/>
           </a:p>
@@ -781,7 +800,7 @@
             <a:fld id="{14617971-7FFF-4153-9B0A-A6A160B9216D}" type="datetimeFigureOut">
               <a:rPr lang="en-US" smtClean="0"/>
               <a:pPr/>
-              <a:t>8/6/2017</a:t>
+              <a:t>8/19/2017</a:t>
             </a:fld>
             <a:endParaRPr lang="en-US"/>
           </a:p>
@@ -1046,7 +1065,7 @@
             <a:fld id="{14617971-7FFF-4153-9B0A-A6A160B9216D}" type="datetimeFigureOut">
               <a:rPr lang="en-US" smtClean="0"/>
               <a:pPr/>
-              <a:t>8/6/2017</a:t>
+              <a:t>8/19/2017</a:t>
             </a:fld>
             <a:endParaRPr lang="en-US"/>
           </a:p>
@@ -1464,7 +1483,7 @@
             <a:fld id="{14617971-7FFF-4153-9B0A-A6A160B9216D}" type="datetimeFigureOut">
               <a:rPr lang="en-US" smtClean="0"/>
               <a:pPr/>
-              <a:t>8/6/2017</a:t>
+              <a:t>8/19/2017</a:t>
             </a:fld>
             <a:endParaRPr lang="en-US"/>
           </a:p>
@@ -1708,7 +1727,7 @@
             <a:fld id="{14617971-7FFF-4153-9B0A-A6A160B9216D}" type="datetimeFigureOut">
               <a:rPr lang="en-US" smtClean="0"/>
               <a:pPr/>
-              <a:t>8/6/2017</a:t>
+              <a:t>8/19/2017</a:t>
             </a:fld>
             <a:endParaRPr lang="en-US"/>
           </a:p>
@@ -1946,7 +1965,7 @@
             <a:fld id="{14617971-7FFF-4153-9B0A-A6A160B9216D}" type="datetimeFigureOut">
               <a:rPr lang="en-US" smtClean="0"/>
               <a:pPr/>
-              <a:t>8/6/2017</a:t>
+              <a:t>8/19/2017</a:t>
             </a:fld>
             <a:endParaRPr lang="en-US"/>
           </a:p>
@@ -2143,7 +2162,7 @@
             <a:fld id="{14617971-7FFF-4153-9B0A-A6A160B9216D}" type="datetimeFigureOut">
               <a:rPr lang="en-US" smtClean="0"/>
               <a:pPr/>
-              <a:t>8/6/2017</a:t>
+              <a:t>8/19/2017</a:t>
             </a:fld>
             <a:endParaRPr lang="en-US"/>
           </a:p>
@@ -2243,7 +2262,7 @@
             <a:fld id="{14617971-7FFF-4153-9B0A-A6A160B9216D}" type="datetimeFigureOut">
               <a:rPr lang="en-US" smtClean="0"/>
               <a:pPr/>
-              <a:t>8/6/2017</a:t>
+              <a:t>8/19/2017</a:t>
             </a:fld>
             <a:endParaRPr lang="en-US"/>
           </a:p>
@@ -2381,7 +2400,7 @@
             <a:fld id="{14617971-7FFF-4153-9B0A-A6A160B9216D}" type="datetimeFigureOut">
               <a:rPr lang="en-US" smtClean="0"/>
               <a:pPr/>
-              <a:t>8/6/2017</a:t>
+              <a:t>8/19/2017</a:t>
             </a:fld>
             <a:endParaRPr lang="en-US"/>
           </a:p>
@@ -2901,7 +2920,7 @@
             <a:fld id="{14617971-7FFF-4153-9B0A-A6A160B9216D}" type="datetimeFigureOut">
               <a:rPr lang="en-US" smtClean="0"/>
               <a:pPr/>
-              <a:t>8/6/2017</a:t>
+              <a:t>8/19/2017</a:t>
             </a:fld>
             <a:endParaRPr lang="en-US"/>
           </a:p>
@@ -3168,7 +3187,7 @@
             <a:fld id="{14617971-7FFF-4153-9B0A-A6A160B9216D}" type="datetimeFigureOut">
               <a:rPr lang="en-US" smtClean="0"/>
               <a:pPr/>
-              <a:t>8/6/2017</a:t>
+              <a:t>8/19/2017</a:t>
             </a:fld>
             <a:endParaRPr lang="en-US"/>
           </a:p>
@@ -3727,11 +3746,7 @@
           <a:p>
             <a:r>
               <a:rPr lang="en-US" sz="2800" dirty="0" smtClean="0"/>
-              <a:t>Extract </a:t>
-            </a:r>
-            <a:r>
-              <a:rPr lang="en-US" sz="2800" dirty="0" smtClean="0"/>
-              <a:t>the data through ECC system</a:t>
+              <a:t>Extract the data through ECC system</a:t>
             </a:r>
             <a:endParaRPr lang="en-US" sz="2800" dirty="0"/>
           </a:p>
@@ -3782,6 +3797,828 @@
       </p:par>
     </p:tnLst>
   </p:timing>
+</p:sld>
+</file>
+
+<file path=ppt/slides/slide10.xml><?xml version="1.0" encoding="utf-8"?>
+<p:sld xmlns:a="http://schemas.openxmlformats.org/drawingml/2006/main" xmlns:r="http://schemas.openxmlformats.org/officeDocument/2006/relationships" xmlns:p="http://schemas.openxmlformats.org/presentationml/2006/main">
+  <p:cSld>
+    <p:spTree>
+      <p:nvGrpSpPr>
+        <p:cNvPr id="1" name=""/>
+        <p:cNvGrpSpPr/>
+        <p:nvPr/>
+      </p:nvGrpSpPr>
+      <p:grpSpPr>
+        <a:xfrm>
+          <a:off x="0" y="0"/>
+          <a:ext cx="0" cy="0"/>
+          <a:chOff x="0" y="0"/>
+          <a:chExt cx="0" cy="0"/>
+        </a:xfrm>
+      </p:grpSpPr>
+      <p:sp>
+        <p:nvSpPr>
+          <p:cNvPr id="2" name="Title 1"/>
+          <p:cNvSpPr>
+            <a:spLocks noGrp="1"/>
+          </p:cNvSpPr>
+          <p:nvPr>
+            <p:ph type="title"/>
+          </p:nvPr>
+        </p:nvSpPr>
+        <p:spPr/>
+        <p:txBody>
+          <a:bodyPr/>
+          <a:lstStyle/>
+          <a:p>
+            <a:r>
+              <a:rPr lang="en-US" dirty="0" smtClean="0"/>
+              <a:t>Save, go back and continue.</a:t>
+            </a:r>
+            <a:endParaRPr lang="en-US" dirty="0"/>
+          </a:p>
+        </p:txBody>
+      </p:sp>
+      <p:pic>
+        <p:nvPicPr>
+          <p:cNvPr id="6146" name="Picture 2"/>
+          <p:cNvPicPr>
+            <a:picLocks noGrp="1" noChangeAspect="1" noChangeArrowheads="1"/>
+          </p:cNvPicPr>
+          <p:nvPr>
+            <p:ph sz="quarter" idx="1"/>
+          </p:nvPr>
+        </p:nvPicPr>
+        <p:blipFill>
+          <a:blip r:embed="rId2" cstate="print"/>
+          <a:srcRect/>
+          <a:stretch>
+            <a:fillRect/>
+          </a:stretch>
+        </p:blipFill>
+        <p:spPr bwMode="auto">
+          <a:xfrm>
+            <a:off x="1800539" y="1600200"/>
+            <a:ext cx="5777872" cy="4495800"/>
+          </a:xfrm>
+          <a:prstGeom prst="rect">
+            <a:avLst/>
+          </a:prstGeom>
+          <a:noFill/>
+          <a:ln w="9525">
+            <a:noFill/>
+            <a:miter lim="800000"/>
+            <a:headEnd/>
+            <a:tailEnd/>
+          </a:ln>
+        </p:spPr>
+      </p:pic>
+    </p:spTree>
+  </p:cSld>
+  <p:clrMapOvr>
+    <a:masterClrMapping/>
+  </p:clrMapOvr>
+</p:sld>
+</file>
+
+<file path=ppt/slides/slide11.xml><?xml version="1.0" encoding="utf-8"?>
+<p:sld xmlns:a="http://schemas.openxmlformats.org/drawingml/2006/main" xmlns:r="http://schemas.openxmlformats.org/officeDocument/2006/relationships" xmlns:p="http://schemas.openxmlformats.org/presentationml/2006/main">
+  <p:cSld>
+    <p:spTree>
+      <p:nvGrpSpPr>
+        <p:cNvPr id="1" name=""/>
+        <p:cNvGrpSpPr/>
+        <p:nvPr/>
+      </p:nvGrpSpPr>
+      <p:grpSpPr>
+        <a:xfrm>
+          <a:off x="0" y="0"/>
+          <a:ext cx="0" cy="0"/>
+          <a:chOff x="0" y="0"/>
+          <a:chExt cx="0" cy="0"/>
+        </a:xfrm>
+      </p:grpSpPr>
+      <p:sp>
+        <p:nvSpPr>
+          <p:cNvPr id="2" name="Title 1"/>
+          <p:cNvSpPr>
+            <a:spLocks noGrp="1"/>
+          </p:cNvSpPr>
+          <p:nvPr>
+            <p:ph type="title"/>
+          </p:nvPr>
+        </p:nvSpPr>
+        <p:spPr/>
+        <p:txBody>
+          <a:bodyPr/>
+          <a:lstStyle/>
+          <a:p>
+            <a:r>
+              <a:rPr lang="en-US" dirty="0" smtClean="0"/>
+              <a:t>Go back and activate.</a:t>
+            </a:r>
+            <a:endParaRPr lang="en-US" dirty="0"/>
+          </a:p>
+        </p:txBody>
+      </p:sp>
+      <p:pic>
+        <p:nvPicPr>
+          <p:cNvPr id="7170" name="Picture 2"/>
+          <p:cNvPicPr>
+            <a:picLocks noGrp="1" noChangeAspect="1" noChangeArrowheads="1"/>
+          </p:cNvPicPr>
+          <p:nvPr>
+            <p:ph sz="quarter" idx="1"/>
+          </p:nvPr>
+        </p:nvPicPr>
+        <p:blipFill>
+          <a:blip r:embed="rId2" cstate="print"/>
+          <a:srcRect/>
+          <a:stretch>
+            <a:fillRect/>
+          </a:stretch>
+        </p:blipFill>
+        <p:spPr bwMode="auto">
+          <a:xfrm>
+            <a:off x="612775" y="1633318"/>
+            <a:ext cx="8153400" cy="4429564"/>
+          </a:xfrm>
+          <a:prstGeom prst="rect">
+            <a:avLst/>
+          </a:prstGeom>
+          <a:noFill/>
+          <a:ln w="9525">
+            <a:noFill/>
+            <a:miter lim="800000"/>
+            <a:headEnd/>
+            <a:tailEnd/>
+          </a:ln>
+        </p:spPr>
+      </p:pic>
+    </p:spTree>
+  </p:cSld>
+  <p:clrMapOvr>
+    <a:masterClrMapping/>
+  </p:clrMapOvr>
+</p:sld>
+</file>
+
+<file path=ppt/slides/slide12.xml><?xml version="1.0" encoding="utf-8"?>
+<p:sld xmlns:a="http://schemas.openxmlformats.org/drawingml/2006/main" xmlns:r="http://schemas.openxmlformats.org/officeDocument/2006/relationships" xmlns:p="http://schemas.openxmlformats.org/presentationml/2006/main">
+  <p:cSld>
+    <p:spTree>
+      <p:nvGrpSpPr>
+        <p:cNvPr id="1" name=""/>
+        <p:cNvGrpSpPr/>
+        <p:nvPr/>
+      </p:nvGrpSpPr>
+      <p:grpSpPr>
+        <a:xfrm>
+          <a:off x="0" y="0"/>
+          <a:ext cx="0" cy="0"/>
+          <a:chOff x="0" y="0"/>
+          <a:chExt cx="0" cy="0"/>
+        </a:xfrm>
+      </p:grpSpPr>
+      <p:sp>
+        <p:nvSpPr>
+          <p:cNvPr id="2" name="Title 1"/>
+          <p:cNvSpPr>
+            <a:spLocks noGrp="1"/>
+          </p:cNvSpPr>
+          <p:nvPr>
+            <p:ph type="title"/>
+          </p:nvPr>
+        </p:nvSpPr>
+        <p:spPr/>
+        <p:txBody>
+          <a:bodyPr/>
+          <a:lstStyle/>
+          <a:p>
+            <a:r>
+              <a:rPr lang="en-US" dirty="0" smtClean="0"/>
+              <a:t>Go to enhancement category.</a:t>
+            </a:r>
+            <a:endParaRPr lang="en-US" dirty="0"/>
+          </a:p>
+        </p:txBody>
+      </p:sp>
+      <p:pic>
+        <p:nvPicPr>
+          <p:cNvPr id="8194" name="Picture 2"/>
+          <p:cNvPicPr>
+            <a:picLocks noGrp="1" noChangeAspect="1" noChangeArrowheads="1"/>
+          </p:cNvPicPr>
+          <p:nvPr>
+            <p:ph sz="quarter" idx="1"/>
+          </p:nvPr>
+        </p:nvPicPr>
+        <p:blipFill>
+          <a:blip r:embed="rId2" cstate="print"/>
+          <a:srcRect/>
+          <a:stretch>
+            <a:fillRect/>
+          </a:stretch>
+        </p:blipFill>
+        <p:spPr bwMode="auto">
+          <a:xfrm>
+            <a:off x="612775" y="1809750"/>
+            <a:ext cx="8153400" cy="4076700"/>
+          </a:xfrm>
+          <a:prstGeom prst="rect">
+            <a:avLst/>
+          </a:prstGeom>
+          <a:noFill/>
+          <a:ln w="9525">
+            <a:noFill/>
+            <a:miter lim="800000"/>
+            <a:headEnd/>
+            <a:tailEnd/>
+          </a:ln>
+        </p:spPr>
+      </p:pic>
+    </p:spTree>
+  </p:cSld>
+  <p:clrMapOvr>
+    <a:masterClrMapping/>
+  </p:clrMapOvr>
+</p:sld>
+</file>
+
+<file path=ppt/slides/slide13.xml><?xml version="1.0" encoding="utf-8"?>
+<p:sld xmlns:a="http://schemas.openxmlformats.org/drawingml/2006/main" xmlns:r="http://schemas.openxmlformats.org/officeDocument/2006/relationships" xmlns:p="http://schemas.openxmlformats.org/presentationml/2006/main">
+  <p:cSld>
+    <p:spTree>
+      <p:nvGrpSpPr>
+        <p:cNvPr id="1" name=""/>
+        <p:cNvGrpSpPr/>
+        <p:nvPr/>
+      </p:nvGrpSpPr>
+      <p:grpSpPr>
+        <a:xfrm>
+          <a:off x="0" y="0"/>
+          <a:ext cx="0" cy="0"/>
+          <a:chOff x="0" y="0"/>
+          <a:chExt cx="0" cy="0"/>
+        </a:xfrm>
+      </p:grpSpPr>
+      <p:sp>
+        <p:nvSpPr>
+          <p:cNvPr id="2" name="Title 1"/>
+          <p:cNvSpPr>
+            <a:spLocks noGrp="1"/>
+          </p:cNvSpPr>
+          <p:nvPr>
+            <p:ph type="title"/>
+          </p:nvPr>
+        </p:nvSpPr>
+        <p:spPr/>
+        <p:txBody>
+          <a:bodyPr/>
+          <a:lstStyle/>
+          <a:p>
+            <a:r>
+              <a:rPr lang="en-US" dirty="0" smtClean="0"/>
+              <a:t>Cont.</a:t>
+            </a:r>
+            <a:endParaRPr lang="en-US" dirty="0"/>
+          </a:p>
+        </p:txBody>
+      </p:sp>
+      <p:pic>
+        <p:nvPicPr>
+          <p:cNvPr id="9218" name="Picture 2"/>
+          <p:cNvPicPr>
+            <a:picLocks noGrp="1" noChangeAspect="1" noChangeArrowheads="1"/>
+          </p:cNvPicPr>
+          <p:nvPr>
+            <p:ph sz="quarter" idx="1"/>
+          </p:nvPr>
+        </p:nvPicPr>
+        <p:blipFill>
+          <a:blip r:embed="rId2" cstate="print"/>
+          <a:srcRect/>
+          <a:stretch>
+            <a:fillRect/>
+          </a:stretch>
+        </p:blipFill>
+        <p:spPr bwMode="auto">
+          <a:xfrm>
+            <a:off x="989146" y="1600200"/>
+            <a:ext cx="7400657" cy="4495800"/>
+          </a:xfrm>
+          <a:prstGeom prst="rect">
+            <a:avLst/>
+          </a:prstGeom>
+          <a:noFill/>
+          <a:ln w="9525">
+            <a:noFill/>
+            <a:miter lim="800000"/>
+            <a:headEnd/>
+            <a:tailEnd/>
+          </a:ln>
+        </p:spPr>
+      </p:pic>
+    </p:spTree>
+  </p:cSld>
+  <p:clrMapOvr>
+    <a:masterClrMapping/>
+  </p:clrMapOvr>
+</p:sld>
+</file>
+
+<file path=ppt/slides/slide14.xml><?xml version="1.0" encoding="utf-8"?>
+<p:sld xmlns:a="http://schemas.openxmlformats.org/drawingml/2006/main" xmlns:r="http://schemas.openxmlformats.org/officeDocument/2006/relationships" xmlns:p="http://schemas.openxmlformats.org/presentationml/2006/main">
+  <p:cSld>
+    <p:spTree>
+      <p:nvGrpSpPr>
+        <p:cNvPr id="1" name=""/>
+        <p:cNvGrpSpPr/>
+        <p:nvPr/>
+      </p:nvGrpSpPr>
+      <p:grpSpPr>
+        <a:xfrm>
+          <a:off x="0" y="0"/>
+          <a:ext cx="0" cy="0"/>
+          <a:chOff x="0" y="0"/>
+          <a:chExt cx="0" cy="0"/>
+        </a:xfrm>
+      </p:grpSpPr>
+      <p:sp>
+        <p:nvSpPr>
+          <p:cNvPr id="2" name="Title 1"/>
+          <p:cNvSpPr>
+            <a:spLocks noGrp="1"/>
+          </p:cNvSpPr>
+          <p:nvPr>
+            <p:ph type="title"/>
+          </p:nvPr>
+        </p:nvSpPr>
+        <p:spPr/>
+        <p:txBody>
+          <a:bodyPr/>
+          <a:lstStyle/>
+          <a:p>
+            <a:r>
+              <a:rPr lang="en-US" dirty="0" smtClean="0"/>
+              <a:t>Activate the table.</a:t>
+            </a:r>
+            <a:endParaRPr lang="en-US" dirty="0"/>
+          </a:p>
+        </p:txBody>
+      </p:sp>
+      <p:pic>
+        <p:nvPicPr>
+          <p:cNvPr id="10242" name="Picture 2"/>
+          <p:cNvPicPr>
+            <a:picLocks noGrp="1" noChangeAspect="1" noChangeArrowheads="1"/>
+          </p:cNvPicPr>
+          <p:nvPr>
+            <p:ph sz="quarter" idx="1"/>
+          </p:nvPr>
+        </p:nvPicPr>
+        <p:blipFill>
+          <a:blip r:embed="rId2" cstate="print"/>
+          <a:srcRect/>
+          <a:stretch>
+            <a:fillRect/>
+          </a:stretch>
+        </p:blipFill>
+        <p:spPr bwMode="auto">
+          <a:xfrm>
+            <a:off x="2929642" y="1600200"/>
+            <a:ext cx="3519665" cy="4495800"/>
+          </a:xfrm>
+          <a:prstGeom prst="rect">
+            <a:avLst/>
+          </a:prstGeom>
+          <a:noFill/>
+          <a:ln w="9525">
+            <a:noFill/>
+            <a:miter lim="800000"/>
+            <a:headEnd/>
+            <a:tailEnd/>
+          </a:ln>
+        </p:spPr>
+      </p:pic>
+    </p:spTree>
+  </p:cSld>
+  <p:clrMapOvr>
+    <a:masterClrMapping/>
+  </p:clrMapOvr>
+</p:sld>
+</file>
+
+<file path=ppt/slides/slide15.xml><?xml version="1.0" encoding="utf-8"?>
+<p:sld xmlns:a="http://schemas.openxmlformats.org/drawingml/2006/main" xmlns:r="http://schemas.openxmlformats.org/officeDocument/2006/relationships" xmlns:p="http://schemas.openxmlformats.org/presentationml/2006/main">
+  <p:cSld>
+    <p:spTree>
+      <p:nvGrpSpPr>
+        <p:cNvPr id="1" name=""/>
+        <p:cNvGrpSpPr/>
+        <p:nvPr/>
+      </p:nvGrpSpPr>
+      <p:grpSpPr>
+        <a:xfrm>
+          <a:off x="0" y="0"/>
+          <a:ext cx="0" cy="0"/>
+          <a:chOff x="0" y="0"/>
+          <a:chExt cx="0" cy="0"/>
+        </a:xfrm>
+      </p:grpSpPr>
+      <p:sp>
+        <p:nvSpPr>
+          <p:cNvPr id="2" name="Title 1"/>
+          <p:cNvSpPr>
+            <a:spLocks noGrp="1"/>
+          </p:cNvSpPr>
+          <p:nvPr>
+            <p:ph type="title"/>
+          </p:nvPr>
+        </p:nvSpPr>
+        <p:spPr/>
+        <p:txBody>
+          <a:bodyPr/>
+          <a:lstStyle/>
+          <a:p>
+            <a:r>
+              <a:rPr lang="en-US" dirty="0" smtClean="0"/>
+              <a:t>Now click on table entries.</a:t>
+            </a:r>
+            <a:endParaRPr lang="en-US" dirty="0"/>
+          </a:p>
+        </p:txBody>
+      </p:sp>
+      <p:pic>
+        <p:nvPicPr>
+          <p:cNvPr id="11266" name="Picture 2"/>
+          <p:cNvPicPr>
+            <a:picLocks noGrp="1" noChangeAspect="1" noChangeArrowheads="1"/>
+          </p:cNvPicPr>
+          <p:nvPr>
+            <p:ph sz="quarter" idx="1"/>
+          </p:nvPr>
+        </p:nvPicPr>
+        <p:blipFill>
+          <a:blip r:embed="rId2" cstate="print"/>
+          <a:srcRect/>
+          <a:stretch>
+            <a:fillRect/>
+          </a:stretch>
+        </p:blipFill>
+        <p:spPr bwMode="auto">
+          <a:xfrm>
+            <a:off x="1257769" y="1600200"/>
+            <a:ext cx="6863411" cy="4495800"/>
+          </a:xfrm>
+          <a:prstGeom prst="rect">
+            <a:avLst/>
+          </a:prstGeom>
+          <a:noFill/>
+          <a:ln w="9525">
+            <a:noFill/>
+            <a:miter lim="800000"/>
+            <a:headEnd/>
+            <a:tailEnd/>
+          </a:ln>
+        </p:spPr>
+      </p:pic>
+    </p:spTree>
+  </p:cSld>
+  <p:clrMapOvr>
+    <a:masterClrMapping/>
+  </p:clrMapOvr>
+</p:sld>
+</file>
+
+<file path=ppt/slides/slide16.xml><?xml version="1.0" encoding="utf-8"?>
+<p:sld xmlns:a="http://schemas.openxmlformats.org/drawingml/2006/main" xmlns:r="http://schemas.openxmlformats.org/officeDocument/2006/relationships" xmlns:p="http://schemas.openxmlformats.org/presentationml/2006/main">
+  <p:cSld>
+    <p:spTree>
+      <p:nvGrpSpPr>
+        <p:cNvPr id="1" name=""/>
+        <p:cNvGrpSpPr/>
+        <p:nvPr/>
+      </p:nvGrpSpPr>
+      <p:grpSpPr>
+        <a:xfrm>
+          <a:off x="0" y="0"/>
+          <a:ext cx="0" cy="0"/>
+          <a:chOff x="0" y="0"/>
+          <a:chExt cx="0" cy="0"/>
+        </a:xfrm>
+      </p:grpSpPr>
+      <p:sp>
+        <p:nvSpPr>
+          <p:cNvPr id="2" name="Title 1"/>
+          <p:cNvSpPr>
+            <a:spLocks noGrp="1"/>
+          </p:cNvSpPr>
+          <p:nvPr>
+            <p:ph type="title"/>
+          </p:nvPr>
+        </p:nvSpPr>
+        <p:spPr/>
+        <p:txBody>
+          <a:bodyPr>
+            <a:normAutofit fontScale="90000"/>
+          </a:bodyPr>
+          <a:lstStyle/>
+          <a:p>
+            <a:r>
+              <a:rPr lang="en-US" dirty="0" smtClean="0"/>
+              <a:t>Create some table entries, save and reset.</a:t>
+            </a:r>
+            <a:endParaRPr lang="en-US" dirty="0"/>
+          </a:p>
+        </p:txBody>
+      </p:sp>
+      <p:pic>
+        <p:nvPicPr>
+          <p:cNvPr id="12290" name="Picture 2"/>
+          <p:cNvPicPr>
+            <a:picLocks noGrp="1" noChangeAspect="1" noChangeArrowheads="1"/>
+          </p:cNvPicPr>
+          <p:nvPr>
+            <p:ph sz="quarter" idx="1"/>
+          </p:nvPr>
+        </p:nvPicPr>
+        <p:blipFill>
+          <a:blip r:embed="rId2" cstate="print"/>
+          <a:srcRect/>
+          <a:stretch>
+            <a:fillRect/>
+          </a:stretch>
+        </p:blipFill>
+        <p:spPr bwMode="auto">
+          <a:xfrm>
+            <a:off x="1584325" y="2085975"/>
+            <a:ext cx="6210300" cy="3524250"/>
+          </a:xfrm>
+          <a:prstGeom prst="rect">
+            <a:avLst/>
+          </a:prstGeom>
+          <a:noFill/>
+          <a:ln w="9525">
+            <a:noFill/>
+            <a:miter lim="800000"/>
+            <a:headEnd/>
+            <a:tailEnd/>
+          </a:ln>
+        </p:spPr>
+      </p:pic>
+    </p:spTree>
+  </p:cSld>
+  <p:clrMapOvr>
+    <a:masterClrMapping/>
+  </p:clrMapOvr>
+</p:sld>
+</file>
+
+<file path=ppt/slides/slide17.xml><?xml version="1.0" encoding="utf-8"?>
+<p:sld xmlns:a="http://schemas.openxmlformats.org/drawingml/2006/main" xmlns:r="http://schemas.openxmlformats.org/officeDocument/2006/relationships" xmlns:p="http://schemas.openxmlformats.org/presentationml/2006/main">
+  <p:cSld>
+    <p:spTree>
+      <p:nvGrpSpPr>
+        <p:cNvPr id="1" name=""/>
+        <p:cNvGrpSpPr/>
+        <p:nvPr/>
+      </p:nvGrpSpPr>
+      <p:grpSpPr>
+        <a:xfrm>
+          <a:off x="0" y="0"/>
+          <a:ext cx="0" cy="0"/>
+          <a:chOff x="0" y="0"/>
+          <a:chExt cx="0" cy="0"/>
+        </a:xfrm>
+      </p:grpSpPr>
+      <p:sp>
+        <p:nvSpPr>
+          <p:cNvPr id="2" name="Title 1"/>
+          <p:cNvSpPr>
+            <a:spLocks noGrp="1"/>
+          </p:cNvSpPr>
+          <p:nvPr>
+            <p:ph type="title"/>
+          </p:nvPr>
+        </p:nvSpPr>
+        <p:spPr/>
+        <p:txBody>
+          <a:bodyPr/>
+          <a:lstStyle/>
+          <a:p>
+            <a:r>
+              <a:rPr lang="en-US" dirty="0" smtClean="0"/>
+              <a:t>Click on content tab to see the entries.</a:t>
+            </a:r>
+            <a:endParaRPr lang="en-US" dirty="0"/>
+          </a:p>
+        </p:txBody>
+      </p:sp>
+      <p:pic>
+        <p:nvPicPr>
+          <p:cNvPr id="13314" name="Picture 2"/>
+          <p:cNvPicPr>
+            <a:picLocks noGrp="1" noChangeAspect="1" noChangeArrowheads="1"/>
+          </p:cNvPicPr>
+          <p:nvPr>
+            <p:ph sz="quarter" idx="1"/>
+          </p:nvPr>
+        </p:nvPicPr>
+        <p:blipFill>
+          <a:blip r:embed="rId2" cstate="print"/>
+          <a:srcRect/>
+          <a:stretch>
+            <a:fillRect/>
+          </a:stretch>
+        </p:blipFill>
+        <p:spPr bwMode="auto">
+          <a:xfrm>
+            <a:off x="946150" y="1757362"/>
+            <a:ext cx="7486650" cy="4181475"/>
+          </a:xfrm>
+          <a:prstGeom prst="rect">
+            <a:avLst/>
+          </a:prstGeom>
+          <a:noFill/>
+          <a:ln w="9525">
+            <a:noFill/>
+            <a:miter lim="800000"/>
+            <a:headEnd/>
+            <a:tailEnd/>
+          </a:ln>
+        </p:spPr>
+      </p:pic>
+    </p:spTree>
+  </p:cSld>
+  <p:clrMapOvr>
+    <a:masterClrMapping/>
+  </p:clrMapOvr>
+</p:sld>
+</file>
+
+<file path=ppt/slides/slide18.xml><?xml version="1.0" encoding="utf-8"?>
+<p:sld xmlns:a="http://schemas.openxmlformats.org/drawingml/2006/main" xmlns:r="http://schemas.openxmlformats.org/officeDocument/2006/relationships" xmlns:p="http://schemas.openxmlformats.org/presentationml/2006/main">
+  <p:cSld>
+    <p:spTree>
+      <p:nvGrpSpPr>
+        <p:cNvPr id="1" name=""/>
+        <p:cNvGrpSpPr/>
+        <p:nvPr/>
+      </p:nvGrpSpPr>
+      <p:grpSpPr>
+        <a:xfrm>
+          <a:off x="0" y="0"/>
+          <a:ext cx="0" cy="0"/>
+          <a:chOff x="0" y="0"/>
+          <a:chExt cx="0" cy="0"/>
+        </a:xfrm>
+      </p:grpSpPr>
+      <p:sp>
+        <p:nvSpPr>
+          <p:cNvPr id="2" name="Title 1"/>
+          <p:cNvSpPr>
+            <a:spLocks noGrp="1"/>
+          </p:cNvSpPr>
+          <p:nvPr>
+            <p:ph type="title"/>
+          </p:nvPr>
+        </p:nvSpPr>
+        <p:spPr/>
+        <p:txBody>
+          <a:bodyPr/>
+          <a:lstStyle/>
+          <a:p>
+            <a:r>
+              <a:rPr lang="en-US" dirty="0" smtClean="0"/>
+              <a:t>Execute to see all entries.</a:t>
+            </a:r>
+            <a:endParaRPr lang="en-US" dirty="0"/>
+          </a:p>
+        </p:txBody>
+      </p:sp>
+      <p:pic>
+        <p:nvPicPr>
+          <p:cNvPr id="14338" name="Picture 2"/>
+          <p:cNvPicPr>
+            <a:picLocks noGrp="1" noChangeAspect="1" noChangeArrowheads="1"/>
+          </p:cNvPicPr>
+          <p:nvPr>
+            <p:ph sz="quarter" idx="1"/>
+          </p:nvPr>
+        </p:nvPicPr>
+        <p:blipFill>
+          <a:blip r:embed="rId2" cstate="print"/>
+          <a:srcRect/>
+          <a:stretch>
+            <a:fillRect/>
+          </a:stretch>
+        </p:blipFill>
+        <p:spPr bwMode="auto">
+          <a:xfrm>
+            <a:off x="612775" y="1622315"/>
+            <a:ext cx="8153400" cy="4451569"/>
+          </a:xfrm>
+          <a:prstGeom prst="rect">
+            <a:avLst/>
+          </a:prstGeom>
+          <a:noFill/>
+          <a:ln w="9525">
+            <a:noFill/>
+            <a:miter lim="800000"/>
+            <a:headEnd/>
+            <a:tailEnd/>
+          </a:ln>
+        </p:spPr>
+      </p:pic>
+    </p:spTree>
+  </p:cSld>
+  <p:clrMapOvr>
+    <a:masterClrMapping/>
+  </p:clrMapOvr>
+</p:sld>
+</file>
+
+<file path=ppt/slides/slide19.xml><?xml version="1.0" encoding="utf-8"?>
+<p:sld xmlns:a="http://schemas.openxmlformats.org/drawingml/2006/main" xmlns:r="http://schemas.openxmlformats.org/officeDocument/2006/relationships" xmlns:p="http://schemas.openxmlformats.org/presentationml/2006/main">
+  <p:cSld>
+    <p:spTree>
+      <p:nvGrpSpPr>
+        <p:cNvPr id="1" name=""/>
+        <p:cNvGrpSpPr/>
+        <p:nvPr/>
+      </p:nvGrpSpPr>
+      <p:grpSpPr>
+        <a:xfrm>
+          <a:off x="0" y="0"/>
+          <a:ext cx="0" cy="0"/>
+          <a:chOff x="0" y="0"/>
+          <a:chExt cx="0" cy="0"/>
+        </a:xfrm>
+      </p:grpSpPr>
+      <p:sp>
+        <p:nvSpPr>
+          <p:cNvPr id="2" name="Title 1"/>
+          <p:cNvSpPr>
+            <a:spLocks noGrp="1"/>
+          </p:cNvSpPr>
+          <p:nvPr>
+            <p:ph type="title"/>
+          </p:nvPr>
+        </p:nvSpPr>
+        <p:spPr/>
+        <p:txBody>
+          <a:bodyPr/>
+          <a:lstStyle/>
+          <a:p>
+            <a:r>
+              <a:rPr lang="en-US" dirty="0" smtClean="0"/>
+              <a:t>Cont.</a:t>
+            </a:r>
+            <a:endParaRPr lang="en-US" dirty="0"/>
+          </a:p>
+        </p:txBody>
+      </p:sp>
+      <p:pic>
+        <p:nvPicPr>
+          <p:cNvPr id="15362" name="Picture 2"/>
+          <p:cNvPicPr>
+            <a:picLocks noGrp="1" noChangeAspect="1" noChangeArrowheads="1"/>
+          </p:cNvPicPr>
+          <p:nvPr>
+            <p:ph sz="quarter" idx="1"/>
+          </p:nvPr>
+        </p:nvPicPr>
+        <p:blipFill>
+          <a:blip r:embed="rId2" cstate="print"/>
+          <a:srcRect/>
+          <a:stretch>
+            <a:fillRect/>
+          </a:stretch>
+        </p:blipFill>
+        <p:spPr bwMode="auto">
+          <a:xfrm>
+            <a:off x="1517650" y="1719262"/>
+            <a:ext cx="6343650" cy="4257675"/>
+          </a:xfrm>
+          <a:prstGeom prst="rect">
+            <a:avLst/>
+          </a:prstGeom>
+          <a:noFill/>
+          <a:ln w="9525">
+            <a:noFill/>
+            <a:miter lim="800000"/>
+            <a:headEnd/>
+            <a:tailEnd/>
+          </a:ln>
+        </p:spPr>
+      </p:pic>
+    </p:spTree>
+  </p:cSld>
+  <p:clrMapOvr>
+    <a:masterClrMapping/>
+  </p:clrMapOvr>
 </p:sld>
 </file>
 
@@ -3861,6 +4698,251 @@
           </a:ln>
         </p:spPr>
       </p:pic>
+    </p:spTree>
+  </p:cSld>
+  <p:clrMapOvr>
+    <a:masterClrMapping/>
+  </p:clrMapOvr>
+</p:sld>
+</file>
+
+<file path=ppt/slides/slide20.xml><?xml version="1.0" encoding="utf-8"?>
+<p:sld xmlns:a="http://schemas.openxmlformats.org/drawingml/2006/main" xmlns:r="http://schemas.openxmlformats.org/officeDocument/2006/relationships" xmlns:p="http://schemas.openxmlformats.org/presentationml/2006/main">
+  <p:cSld>
+    <p:spTree>
+      <p:nvGrpSpPr>
+        <p:cNvPr id="1" name=""/>
+        <p:cNvGrpSpPr/>
+        <p:nvPr/>
+      </p:nvGrpSpPr>
+      <p:grpSpPr>
+        <a:xfrm>
+          <a:off x="0" y="0"/>
+          <a:ext cx="0" cy="0"/>
+          <a:chOff x="0" y="0"/>
+          <a:chExt cx="0" cy="0"/>
+        </a:xfrm>
+      </p:grpSpPr>
+      <p:sp>
+        <p:nvSpPr>
+          <p:cNvPr id="2" name="Title 1"/>
+          <p:cNvSpPr>
+            <a:spLocks noGrp="1"/>
+          </p:cNvSpPr>
+          <p:nvPr>
+            <p:ph type="title"/>
+          </p:nvPr>
+        </p:nvSpPr>
+        <p:spPr/>
+        <p:txBody>
+          <a:bodyPr>
+            <a:normAutofit fontScale="90000"/>
+          </a:bodyPr>
+          <a:lstStyle/>
+          <a:p>
+            <a:r>
+              <a:rPr lang="en-US" dirty="0" smtClean="0"/>
+              <a:t>Click LTR, it will open up SAP </a:t>
+            </a:r>
+            <a:r>
+              <a:rPr lang="en-US" dirty="0" err="1" smtClean="0"/>
+              <a:t>NnetWeaver</a:t>
+            </a:r>
+            <a:r>
+              <a:rPr lang="en-US" dirty="0" smtClean="0"/>
+              <a:t>.</a:t>
+            </a:r>
+            <a:endParaRPr lang="en-US" dirty="0"/>
+          </a:p>
+        </p:txBody>
+      </p:sp>
+      <p:pic>
+        <p:nvPicPr>
+          <p:cNvPr id="16386" name="Picture 2"/>
+          <p:cNvPicPr>
+            <a:picLocks noGrp="1" noChangeAspect="1" noChangeArrowheads="1"/>
+          </p:cNvPicPr>
+          <p:nvPr>
+            <p:ph sz="quarter" idx="1"/>
+          </p:nvPr>
+        </p:nvPicPr>
+        <p:blipFill>
+          <a:blip r:embed="rId2" cstate="print"/>
+          <a:srcRect/>
+          <a:stretch>
+            <a:fillRect/>
+          </a:stretch>
+        </p:blipFill>
+        <p:spPr bwMode="auto">
+          <a:xfrm>
+            <a:off x="665948" y="1600200"/>
+            <a:ext cx="8047053" cy="4495800"/>
+          </a:xfrm>
+          <a:prstGeom prst="rect">
+            <a:avLst/>
+          </a:prstGeom>
+          <a:noFill/>
+          <a:ln w="9525">
+            <a:noFill/>
+            <a:miter lim="800000"/>
+            <a:headEnd/>
+            <a:tailEnd/>
+          </a:ln>
+        </p:spPr>
+      </p:pic>
+    </p:spTree>
+  </p:cSld>
+  <p:clrMapOvr>
+    <a:masterClrMapping/>
+  </p:clrMapOvr>
+</p:sld>
+</file>
+
+<file path=ppt/slides/slide21.xml><?xml version="1.0" encoding="utf-8"?>
+<p:sld xmlns:a="http://schemas.openxmlformats.org/drawingml/2006/main" xmlns:r="http://schemas.openxmlformats.org/officeDocument/2006/relationships" xmlns:p="http://schemas.openxmlformats.org/presentationml/2006/main">
+  <p:cSld>
+    <p:spTree>
+      <p:nvGrpSpPr>
+        <p:cNvPr id="1" name=""/>
+        <p:cNvGrpSpPr/>
+        <p:nvPr/>
+      </p:nvGrpSpPr>
+      <p:grpSpPr>
+        <a:xfrm>
+          <a:off x="0" y="0"/>
+          <a:ext cx="0" cy="0"/>
+          <a:chOff x="0" y="0"/>
+          <a:chExt cx="0" cy="0"/>
+        </a:xfrm>
+      </p:grpSpPr>
+      <p:sp>
+        <p:nvSpPr>
+          <p:cNvPr id="2" name="Title 1"/>
+          <p:cNvSpPr>
+            <a:spLocks noGrp="1"/>
+          </p:cNvSpPr>
+          <p:nvPr>
+            <p:ph type="title"/>
+          </p:nvPr>
+        </p:nvSpPr>
+        <p:spPr/>
+        <p:txBody>
+          <a:bodyPr/>
+          <a:lstStyle/>
+          <a:p>
+            <a:r>
+              <a:rPr lang="en-US" dirty="0" smtClean="0"/>
+              <a:t>Connect to </a:t>
+            </a:r>
+            <a:r>
+              <a:rPr lang="en-US" dirty="0" err="1" smtClean="0"/>
+              <a:t>Hana</a:t>
+            </a:r>
+            <a:r>
+              <a:rPr lang="en-US" dirty="0" smtClean="0"/>
+              <a:t> DB.</a:t>
+            </a:r>
+            <a:endParaRPr lang="en-US" dirty="0"/>
+          </a:p>
+        </p:txBody>
+      </p:sp>
+      <p:pic>
+        <p:nvPicPr>
+          <p:cNvPr id="17410" name="Picture 2"/>
+          <p:cNvPicPr>
+            <a:picLocks noGrp="1" noChangeAspect="1" noChangeArrowheads="1"/>
+          </p:cNvPicPr>
+          <p:nvPr>
+            <p:ph sz="quarter" idx="1"/>
+          </p:nvPr>
+        </p:nvPicPr>
+        <p:blipFill>
+          <a:blip r:embed="rId2" cstate="print"/>
+          <a:srcRect/>
+          <a:stretch>
+            <a:fillRect/>
+          </a:stretch>
+        </p:blipFill>
+        <p:spPr bwMode="auto">
+          <a:xfrm>
+            <a:off x="612775" y="1918393"/>
+            <a:ext cx="8153400" cy="3859414"/>
+          </a:xfrm>
+          <a:prstGeom prst="rect">
+            <a:avLst/>
+          </a:prstGeom>
+          <a:noFill/>
+          <a:ln w="9525">
+            <a:noFill/>
+            <a:miter lim="800000"/>
+            <a:headEnd/>
+            <a:tailEnd/>
+          </a:ln>
+        </p:spPr>
+      </p:pic>
+    </p:spTree>
+  </p:cSld>
+  <p:clrMapOvr>
+    <a:masterClrMapping/>
+  </p:clrMapOvr>
+</p:sld>
+</file>
+
+<file path=ppt/slides/slide22.xml><?xml version="1.0" encoding="utf-8"?>
+<p:sld xmlns:a="http://schemas.openxmlformats.org/drawingml/2006/main" xmlns:r="http://schemas.openxmlformats.org/officeDocument/2006/relationships" xmlns:p="http://schemas.openxmlformats.org/presentationml/2006/main">
+  <p:cSld>
+    <p:spTree>
+      <p:nvGrpSpPr>
+        <p:cNvPr id="1" name=""/>
+        <p:cNvGrpSpPr/>
+        <p:nvPr/>
+      </p:nvGrpSpPr>
+      <p:grpSpPr>
+        <a:xfrm>
+          <a:off x="0" y="0"/>
+          <a:ext cx="0" cy="0"/>
+          <a:chOff x="0" y="0"/>
+          <a:chExt cx="0" cy="0"/>
+        </a:xfrm>
+      </p:grpSpPr>
+      <p:sp>
+        <p:nvSpPr>
+          <p:cNvPr id="2" name="Title 1"/>
+          <p:cNvSpPr>
+            <a:spLocks noGrp="1"/>
+          </p:cNvSpPr>
+          <p:nvPr>
+            <p:ph type="title"/>
+          </p:nvPr>
+        </p:nvSpPr>
+        <p:spPr/>
+        <p:txBody>
+          <a:bodyPr/>
+          <a:lstStyle/>
+          <a:p>
+            <a:endParaRPr lang="en-US"/>
+          </a:p>
+        </p:txBody>
+      </p:sp>
+      <p:sp>
+        <p:nvSpPr>
+          <p:cNvPr id="3" name="Content Placeholder 2"/>
+          <p:cNvSpPr>
+            <a:spLocks noGrp="1"/>
+          </p:cNvSpPr>
+          <p:nvPr>
+            <p:ph sz="quarter" idx="1"/>
+          </p:nvPr>
+        </p:nvSpPr>
+        <p:spPr/>
+        <p:txBody>
+          <a:bodyPr/>
+          <a:lstStyle/>
+          <a:p>
+            <a:endParaRPr lang="en-US"/>
+          </a:p>
+        </p:txBody>
+      </p:sp>
     </p:spTree>
   </p:cSld>
   <p:clrMapOvr>
@@ -3899,13 +4981,13 @@
         <p:spPr/>
         <p:txBody>
           <a:bodyPr>
-            <a:normAutofit fontScale="90000"/>
+            <a:normAutofit/>
           </a:bodyPr>
           <a:lstStyle/>
           <a:p>
             <a:r>
-              <a:rPr lang="en-US" smtClean="0"/>
-              <a:t>Create database “SALES_MAN_DEMO1”  </a:t>
+              <a:rPr lang="en-US" dirty="0" smtClean="0"/>
+              <a:t>Create database “ZSALES_DEMO1”  </a:t>
             </a:r>
             <a:endParaRPr lang="en-US" dirty="0"/>
           </a:p>
@@ -3913,7 +4995,7 @@
       </p:sp>
       <p:pic>
         <p:nvPicPr>
-          <p:cNvPr id="2050" name="Picture 2"/>
+          <p:cNvPr id="1026" name="Picture 2"/>
           <p:cNvPicPr>
             <a:picLocks noGrp="1" noChangeAspect="1" noChangeArrowheads="1"/>
           </p:cNvPicPr>
@@ -3930,8 +5012,510 @@
         </p:blipFill>
         <p:spPr bwMode="auto">
           <a:xfrm>
-            <a:off x="2038213" y="1600200"/>
-            <a:ext cx="5302523" cy="4495800"/>
+            <a:off x="1936944" y="1600200"/>
+            <a:ext cx="5505061" cy="4495800"/>
+          </a:xfrm>
+          <a:prstGeom prst="rect">
+            <a:avLst/>
+          </a:prstGeom>
+          <a:noFill/>
+          <a:ln w="9525">
+            <a:noFill/>
+            <a:miter lim="800000"/>
+            <a:headEnd/>
+            <a:tailEnd/>
+          </a:ln>
+        </p:spPr>
+      </p:pic>
+    </p:spTree>
+  </p:cSld>
+  <p:clrMapOvr>
+    <a:masterClrMapping/>
+  </p:clrMapOvr>
+</p:sld>
+</file>
+
+<file path=ppt/slides/slide4.xml><?xml version="1.0" encoding="utf-8"?>
+<p:sld xmlns:a="http://schemas.openxmlformats.org/drawingml/2006/main" xmlns:r="http://schemas.openxmlformats.org/officeDocument/2006/relationships" xmlns:p="http://schemas.openxmlformats.org/presentationml/2006/main">
+  <p:cSld>
+    <p:spTree>
+      <p:nvGrpSpPr>
+        <p:cNvPr id="1" name=""/>
+        <p:cNvGrpSpPr/>
+        <p:nvPr/>
+      </p:nvGrpSpPr>
+      <p:grpSpPr>
+        <a:xfrm>
+          <a:off x="0" y="0"/>
+          <a:ext cx="0" cy="0"/>
+          <a:chOff x="0" y="0"/>
+          <a:chExt cx="0" cy="0"/>
+        </a:xfrm>
+      </p:grpSpPr>
+      <p:sp>
+        <p:nvSpPr>
+          <p:cNvPr id="2" name="Title 1"/>
+          <p:cNvSpPr>
+            <a:spLocks noGrp="1"/>
+          </p:cNvSpPr>
+          <p:nvPr>
+            <p:ph type="title"/>
+          </p:nvPr>
+        </p:nvSpPr>
+        <p:spPr/>
+        <p:txBody>
+          <a:bodyPr/>
+          <a:lstStyle/>
+          <a:p>
+            <a:r>
+              <a:rPr lang="en-US" dirty="0" smtClean="0"/>
+              <a:t>Table type A and Table View </a:t>
+            </a:r>
+            <a:r>
+              <a:rPr lang="en-US" dirty="0" err="1" smtClean="0"/>
+              <a:t>Maint</a:t>
+            </a:r>
+            <a:r>
+              <a:rPr lang="en-US" dirty="0" smtClean="0"/>
+              <a:t>.</a:t>
+            </a:r>
+            <a:endParaRPr lang="en-US" dirty="0"/>
+          </a:p>
+        </p:txBody>
+      </p:sp>
+      <p:pic>
+        <p:nvPicPr>
+          <p:cNvPr id="2050" name="Picture 2"/>
+          <p:cNvPicPr>
+            <a:picLocks noGrp="1" noChangeAspect="1" noChangeArrowheads="1"/>
+          </p:cNvPicPr>
+          <p:nvPr>
+            <p:ph sz="quarter" idx="1"/>
+          </p:nvPr>
+        </p:nvPicPr>
+        <p:blipFill>
+          <a:blip r:embed="rId2" cstate="print"/>
+          <a:srcRect/>
+          <a:stretch>
+            <a:fillRect/>
+          </a:stretch>
+        </p:blipFill>
+        <p:spPr bwMode="auto">
+          <a:xfrm>
+            <a:off x="612775" y="2162405"/>
+            <a:ext cx="8153400" cy="3371389"/>
+          </a:xfrm>
+          <a:prstGeom prst="rect">
+            <a:avLst/>
+          </a:prstGeom>
+          <a:noFill/>
+          <a:ln w="9525">
+            <a:noFill/>
+            <a:miter lim="800000"/>
+            <a:headEnd/>
+            <a:tailEnd/>
+          </a:ln>
+        </p:spPr>
+      </p:pic>
+    </p:spTree>
+  </p:cSld>
+  <p:clrMapOvr>
+    <a:masterClrMapping/>
+  </p:clrMapOvr>
+</p:sld>
+</file>
+
+<file path=ppt/slides/slide5.xml><?xml version="1.0" encoding="utf-8"?>
+<p:sld xmlns:a="http://schemas.openxmlformats.org/drawingml/2006/main" xmlns:r="http://schemas.openxmlformats.org/officeDocument/2006/relationships" xmlns:p="http://schemas.openxmlformats.org/presentationml/2006/main">
+  <p:cSld>
+    <p:spTree>
+      <p:nvGrpSpPr>
+        <p:cNvPr id="1" name=""/>
+        <p:cNvGrpSpPr/>
+        <p:nvPr/>
+      </p:nvGrpSpPr>
+      <p:grpSpPr>
+        <a:xfrm>
+          <a:off x="0" y="0"/>
+          <a:ext cx="0" cy="0"/>
+          <a:chOff x="0" y="0"/>
+          <a:chExt cx="0" cy="0"/>
+        </a:xfrm>
+      </p:grpSpPr>
+      <p:sp>
+        <p:nvSpPr>
+          <p:cNvPr id="2" name="Title 1"/>
+          <p:cNvSpPr>
+            <a:spLocks noGrp="1"/>
+          </p:cNvSpPr>
+          <p:nvPr>
+            <p:ph type="title"/>
+          </p:nvPr>
+        </p:nvSpPr>
+        <p:spPr/>
+        <p:txBody>
+          <a:bodyPr>
+            <a:normAutofit fontScale="90000"/>
+          </a:bodyPr>
+          <a:lstStyle/>
+          <a:p>
+            <a:r>
+              <a:rPr lang="en-US" dirty="0" smtClean="0"/>
+              <a:t>Switch to predefined to data element type.</a:t>
+            </a:r>
+            <a:endParaRPr lang="en-US" dirty="0"/>
+          </a:p>
+        </p:txBody>
+      </p:sp>
+      <p:pic>
+        <p:nvPicPr>
+          <p:cNvPr id="1026" name="Picture 2"/>
+          <p:cNvPicPr>
+            <a:picLocks noGrp="1" noChangeAspect="1" noChangeArrowheads="1"/>
+          </p:cNvPicPr>
+          <p:nvPr>
+            <p:ph sz="quarter" idx="1"/>
+          </p:nvPr>
+        </p:nvPicPr>
+        <p:blipFill>
+          <a:blip r:embed="rId2" cstate="print"/>
+          <a:srcRect/>
+          <a:stretch>
+            <a:fillRect/>
+          </a:stretch>
+        </p:blipFill>
+        <p:spPr bwMode="auto">
+          <a:xfrm>
+            <a:off x="1227137" y="1952625"/>
+            <a:ext cx="6924675" cy="3790950"/>
+          </a:xfrm>
+          <a:prstGeom prst="rect">
+            <a:avLst/>
+          </a:prstGeom>
+          <a:noFill/>
+          <a:ln w="9525">
+            <a:noFill/>
+            <a:miter lim="800000"/>
+            <a:headEnd/>
+            <a:tailEnd/>
+          </a:ln>
+        </p:spPr>
+      </p:pic>
+    </p:spTree>
+  </p:cSld>
+  <p:clrMapOvr>
+    <a:masterClrMapping/>
+  </p:clrMapOvr>
+</p:sld>
+</file>
+
+<file path=ppt/slides/slide6.xml><?xml version="1.0" encoding="utf-8"?>
+<p:sld xmlns:a="http://schemas.openxmlformats.org/drawingml/2006/main" xmlns:r="http://schemas.openxmlformats.org/officeDocument/2006/relationships" xmlns:p="http://schemas.openxmlformats.org/presentationml/2006/main">
+  <p:cSld>
+    <p:spTree>
+      <p:nvGrpSpPr>
+        <p:cNvPr id="1" name=""/>
+        <p:cNvGrpSpPr/>
+        <p:nvPr/>
+      </p:nvGrpSpPr>
+      <p:grpSpPr>
+        <a:xfrm>
+          <a:off x="0" y="0"/>
+          <a:ext cx="0" cy="0"/>
+          <a:chOff x="0" y="0"/>
+          <a:chExt cx="0" cy="0"/>
+        </a:xfrm>
+      </p:grpSpPr>
+      <p:sp>
+        <p:nvSpPr>
+          <p:cNvPr id="2" name="Title 1"/>
+          <p:cNvSpPr>
+            <a:spLocks noGrp="1"/>
+          </p:cNvSpPr>
+          <p:nvPr>
+            <p:ph type="title"/>
+          </p:nvPr>
+        </p:nvSpPr>
+        <p:spPr/>
+        <p:txBody>
+          <a:bodyPr/>
+          <a:lstStyle/>
+          <a:p>
+            <a:r>
+              <a:rPr lang="en-US" dirty="0" smtClean="0"/>
+              <a:t>Cont.</a:t>
+            </a:r>
+            <a:endParaRPr lang="en-US" dirty="0"/>
+          </a:p>
+        </p:txBody>
+      </p:sp>
+      <p:pic>
+        <p:nvPicPr>
+          <p:cNvPr id="2050" name="Picture 2"/>
+          <p:cNvPicPr>
+            <a:picLocks noGrp="1" noChangeAspect="1" noChangeArrowheads="1"/>
+          </p:cNvPicPr>
+          <p:nvPr>
+            <p:ph sz="quarter" idx="1"/>
+          </p:nvPr>
+        </p:nvPicPr>
+        <p:blipFill>
+          <a:blip r:embed="rId2" cstate="print"/>
+          <a:srcRect/>
+          <a:stretch>
+            <a:fillRect/>
+          </a:stretch>
+        </p:blipFill>
+        <p:spPr bwMode="auto">
+          <a:xfrm>
+            <a:off x="612775" y="1603624"/>
+            <a:ext cx="8153400" cy="4488951"/>
+          </a:xfrm>
+          <a:prstGeom prst="rect">
+            <a:avLst/>
+          </a:prstGeom>
+          <a:noFill/>
+          <a:ln w="9525">
+            <a:noFill/>
+            <a:miter lim="800000"/>
+            <a:headEnd/>
+            <a:tailEnd/>
+          </a:ln>
+        </p:spPr>
+      </p:pic>
+    </p:spTree>
+  </p:cSld>
+  <p:clrMapOvr>
+    <a:masterClrMapping/>
+  </p:clrMapOvr>
+</p:sld>
+</file>
+
+<file path=ppt/slides/slide7.xml><?xml version="1.0" encoding="utf-8"?>
+<p:sld xmlns:a="http://schemas.openxmlformats.org/drawingml/2006/main" xmlns:r="http://schemas.openxmlformats.org/officeDocument/2006/relationships" xmlns:p="http://schemas.openxmlformats.org/presentationml/2006/main">
+  <p:cSld>
+    <p:spTree>
+      <p:nvGrpSpPr>
+        <p:cNvPr id="1" name=""/>
+        <p:cNvGrpSpPr/>
+        <p:nvPr/>
+      </p:nvGrpSpPr>
+      <p:grpSpPr>
+        <a:xfrm>
+          <a:off x="0" y="0"/>
+          <a:ext cx="0" cy="0"/>
+          <a:chOff x="0" y="0"/>
+          <a:chExt cx="0" cy="0"/>
+        </a:xfrm>
+      </p:grpSpPr>
+      <p:sp>
+        <p:nvSpPr>
+          <p:cNvPr id="2" name="Title 1"/>
+          <p:cNvSpPr>
+            <a:spLocks noGrp="1"/>
+          </p:cNvSpPr>
+          <p:nvPr>
+            <p:ph type="title"/>
+          </p:nvPr>
+        </p:nvSpPr>
+        <p:spPr/>
+        <p:txBody>
+          <a:bodyPr/>
+          <a:lstStyle/>
+          <a:p>
+            <a:r>
+              <a:rPr lang="en-US" dirty="0" smtClean="0"/>
+              <a:t>Activate and click on local object.</a:t>
+            </a:r>
+            <a:endParaRPr lang="en-US" dirty="0"/>
+          </a:p>
+        </p:txBody>
+      </p:sp>
+      <p:pic>
+        <p:nvPicPr>
+          <p:cNvPr id="3074" name="Picture 2"/>
+          <p:cNvPicPr>
+            <a:picLocks noGrp="1" noChangeAspect="1" noChangeArrowheads="1"/>
+          </p:cNvPicPr>
+          <p:nvPr>
+            <p:ph sz="quarter" idx="1"/>
+          </p:nvPr>
+        </p:nvPicPr>
+        <p:blipFill>
+          <a:blip r:embed="rId2" cstate="print"/>
+          <a:srcRect/>
+          <a:stretch>
+            <a:fillRect/>
+          </a:stretch>
+        </p:blipFill>
+        <p:spPr bwMode="auto">
+          <a:xfrm>
+            <a:off x="1507279" y="1600200"/>
+            <a:ext cx="6364392" cy="4495800"/>
+          </a:xfrm>
+          <a:prstGeom prst="rect">
+            <a:avLst/>
+          </a:prstGeom>
+          <a:noFill/>
+          <a:ln w="9525">
+            <a:noFill/>
+            <a:miter lim="800000"/>
+            <a:headEnd/>
+            <a:tailEnd/>
+          </a:ln>
+        </p:spPr>
+      </p:pic>
+    </p:spTree>
+  </p:cSld>
+  <p:clrMapOvr>
+    <a:masterClrMapping/>
+  </p:clrMapOvr>
+</p:sld>
+</file>
+
+<file path=ppt/slides/slide8.xml><?xml version="1.0" encoding="utf-8"?>
+<p:sld xmlns:a="http://schemas.openxmlformats.org/drawingml/2006/main" xmlns:r="http://schemas.openxmlformats.org/officeDocument/2006/relationships" xmlns:p="http://schemas.openxmlformats.org/presentationml/2006/main">
+  <p:cSld>
+    <p:spTree>
+      <p:nvGrpSpPr>
+        <p:cNvPr id="1" name=""/>
+        <p:cNvGrpSpPr/>
+        <p:nvPr/>
+      </p:nvGrpSpPr>
+      <p:grpSpPr>
+        <a:xfrm>
+          <a:off x="0" y="0"/>
+          <a:ext cx="0" cy="0"/>
+          <a:chOff x="0" y="0"/>
+          <a:chExt cx="0" cy="0"/>
+        </a:xfrm>
+      </p:grpSpPr>
+      <p:sp>
+        <p:nvSpPr>
+          <p:cNvPr id="2" name="Title 1"/>
+          <p:cNvSpPr>
+            <a:spLocks noGrp="1"/>
+          </p:cNvSpPr>
+          <p:nvPr>
+            <p:ph type="title"/>
+          </p:nvPr>
+        </p:nvSpPr>
+        <p:spPr/>
+        <p:txBody>
+          <a:bodyPr/>
+          <a:lstStyle/>
+          <a:p>
+            <a:r>
+              <a:rPr lang="en-US" dirty="0" smtClean="0"/>
+              <a:t>Select APPL0.</a:t>
+            </a:r>
+            <a:endParaRPr lang="en-US" dirty="0"/>
+          </a:p>
+        </p:txBody>
+      </p:sp>
+      <p:pic>
+        <p:nvPicPr>
+          <p:cNvPr id="4098" name="Picture 2"/>
+          <p:cNvPicPr>
+            <a:picLocks noGrp="1" noChangeAspect="1" noChangeArrowheads="1"/>
+          </p:cNvPicPr>
+          <p:nvPr>
+            <p:ph sz="quarter" idx="1"/>
+          </p:nvPr>
+        </p:nvPicPr>
+        <p:blipFill>
+          <a:blip r:embed="rId2" cstate="print"/>
+          <a:srcRect/>
+          <a:stretch>
+            <a:fillRect/>
+          </a:stretch>
+        </p:blipFill>
+        <p:spPr bwMode="auto">
+          <a:xfrm>
+            <a:off x="1307794" y="1600200"/>
+            <a:ext cx="6763361" cy="4495800"/>
+          </a:xfrm>
+          <a:prstGeom prst="rect">
+            <a:avLst/>
+          </a:prstGeom>
+          <a:noFill/>
+          <a:ln w="9525">
+            <a:noFill/>
+            <a:miter lim="800000"/>
+            <a:headEnd/>
+            <a:tailEnd/>
+          </a:ln>
+        </p:spPr>
+      </p:pic>
+    </p:spTree>
+  </p:cSld>
+  <p:clrMapOvr>
+    <a:masterClrMapping/>
+  </p:clrMapOvr>
+</p:sld>
+</file>
+
+<file path=ppt/slides/slide9.xml><?xml version="1.0" encoding="utf-8"?>
+<p:sld xmlns:a="http://schemas.openxmlformats.org/drawingml/2006/main" xmlns:r="http://schemas.openxmlformats.org/officeDocument/2006/relationships" xmlns:p="http://schemas.openxmlformats.org/presentationml/2006/main">
+  <p:cSld>
+    <p:spTree>
+      <p:nvGrpSpPr>
+        <p:cNvPr id="1" name=""/>
+        <p:cNvGrpSpPr/>
+        <p:nvPr/>
+      </p:nvGrpSpPr>
+      <p:grpSpPr>
+        <a:xfrm>
+          <a:off x="0" y="0"/>
+          <a:ext cx="0" cy="0"/>
+          <a:chOff x="0" y="0"/>
+          <a:chExt cx="0" cy="0"/>
+        </a:xfrm>
+      </p:grpSpPr>
+      <p:sp>
+        <p:nvSpPr>
+          <p:cNvPr id="2" name="Title 1"/>
+          <p:cNvSpPr>
+            <a:spLocks noGrp="1"/>
+          </p:cNvSpPr>
+          <p:nvPr>
+            <p:ph type="title"/>
+          </p:nvPr>
+        </p:nvSpPr>
+        <p:spPr/>
+        <p:txBody>
+          <a:bodyPr/>
+          <a:lstStyle/>
+          <a:p>
+            <a:r>
+              <a:rPr lang="en-US" dirty="0" smtClean="0"/>
+              <a:t>Select 0.</a:t>
+            </a:r>
+            <a:endParaRPr lang="en-US" dirty="0"/>
+          </a:p>
+        </p:txBody>
+      </p:sp>
+      <p:pic>
+        <p:nvPicPr>
+          <p:cNvPr id="5122" name="Picture 2"/>
+          <p:cNvPicPr>
+            <a:picLocks noGrp="1" noChangeAspect="1" noChangeArrowheads="1"/>
+          </p:cNvPicPr>
+          <p:nvPr>
+            <p:ph sz="quarter" idx="1"/>
+          </p:nvPr>
+        </p:nvPicPr>
+        <p:blipFill>
+          <a:blip r:embed="rId2" cstate="print"/>
+          <a:srcRect/>
+          <a:stretch>
+            <a:fillRect/>
+          </a:stretch>
+        </p:blipFill>
+        <p:spPr bwMode="auto">
+          <a:xfrm>
+            <a:off x="1532712" y="1600200"/>
+            <a:ext cx="6313526" cy="4495800"/>
           </a:xfrm>
           <a:prstGeom prst="rect">
             <a:avLst/>
